--- a/20200812_lending_club.pptx
+++ b/20200812_lending_club.pptx
@@ -4970,7 +4970,6 @@
           <a:p>
             <a:r>
               <a:rPr lang="en-US" altLang="zh-CN" sz="3600" b="1" dirty="0">
-                <a:ln/>
                 <a:solidFill>
                   <a:schemeClr val="bg2">
                     <a:lumMod val="25000"/>
@@ -4989,7 +4988,6 @@
               <a:t>Intoruction</a:t>
             </a:r>
             <a:endParaRPr lang="en-US" altLang="zh-CN" sz="3600" b="1" dirty="0">
-              <a:ln/>
               <a:solidFill>
                 <a:schemeClr val="bg2">
                   <a:lumMod val="25000"/>
@@ -10197,7 +10195,7 @@
             </a:ln>
           </p:spPr>
           <p:txBody>
-            <a:bodyPr vert="horz" wrap="square" lIns="121888" tIns="60944" rIns="121888" bIns="60944" numCol="0" anchor="t" anchorCtr="0" compatLnSpc="0">
+            <a:bodyPr vert="horz" wrap="square" lIns="121888" tIns="60944" rIns="121888" bIns="60944" numCol="1" anchor="t" anchorCtr="0" compatLnSpc="0">
               <a:noAutofit/>
             </a:bodyPr>
             <a:lstStyle/>
@@ -10589,7 +10587,7 @@
             </a:ln>
           </p:spPr>
           <p:txBody>
-            <a:bodyPr vert="horz" wrap="square" lIns="121888" tIns="60944" rIns="121888" bIns="60944" numCol="0" anchor="t" anchorCtr="0" compatLnSpc="0">
+            <a:bodyPr vert="horz" wrap="square" lIns="121888" tIns="60944" rIns="121888" bIns="60944" numCol="1" anchor="t" anchorCtr="0" compatLnSpc="0">
               <a:noAutofit/>
             </a:bodyPr>
             <a:lstStyle/>
@@ -12295,17 +12293,200 @@
         </p:blipFill>
         <p:spPr>
           <a:xfrm>
-            <a:off x="4184015" y="3133725"/>
-            <a:ext cx="6482080" cy="3126740"/>
+            <a:off x="4184015" y="3609975"/>
+            <a:ext cx="6958330" cy="2727325"/>
           </a:xfrm>
           <a:prstGeom prst="rect">
             <a:avLst/>
           </a:prstGeom>
         </p:spPr>
       </p:pic>
+      <p:sp>
+        <p:nvSpPr>
+          <p:cNvPr id="5" name="Rectangles 4"/>
+          <p:cNvSpPr/>
+          <p:nvPr/>
+        </p:nvSpPr>
+        <p:spPr>
+          <a:xfrm rot="16200000">
+            <a:off x="5986145" y="1530350"/>
+            <a:ext cx="2322195" cy="420370"/>
+          </a:xfrm>
+          <a:prstGeom prst="rect">
+            <a:avLst/>
+          </a:prstGeom>
+          <a:solidFill>
+            <a:srgbClr val="374656"/>
+          </a:solidFill>
+        </p:spPr>
+        <p:style>
+          <a:lnRef idx="2">
+            <a:schemeClr val="lt1">
+              <a:hueOff val="0"/>
+              <a:satOff val="0"/>
+              <a:lumOff val="0"/>
+              <a:alphaOff val="0"/>
+            </a:schemeClr>
+          </a:lnRef>
+          <a:fillRef idx="1">
+            <a:scrgbClr r="0" g="0" b="0"/>
+          </a:fillRef>
+          <a:effectRef idx="0">
+            <a:schemeClr val="accent1">
+              <a:hueOff val="0"/>
+              <a:satOff val="0"/>
+              <a:lumOff val="0"/>
+              <a:alphaOff val="0"/>
+            </a:schemeClr>
+          </a:effectRef>
+          <a:fontRef idx="minor">
+            <a:schemeClr val="lt1"/>
+          </a:fontRef>
+        </p:style>
+        <p:txBody>
+          <a:bodyPr vertOverflow="overflow" horzOverflow="overflow" vert="horz" wrap="square" lIns="76200" tIns="609442" rIns="76201" bIns="609441" numCol="1" spcCol="1270" rtlCol="0" fromWordArt="0" anchor="ctr" anchorCtr="0" forceAA="0" compatLnSpc="1">
+            <a:noAutofit/>
+          </a:bodyPr>
+          <a:lstStyle/>
+          <a:p>
+            <a:pPr lvl="0" algn="l" defTabSz="533400" fontAlgn="auto">
+              <a:lnSpc>
+                <a:spcPct val="90000"/>
+              </a:lnSpc>
+              <a:spcAft>
+                <a:spcPct val="35000"/>
+              </a:spcAft>
+              <a:buClrTx/>
+              <a:buSzTx/>
+              <a:defRPr/>
+            </a:pPr>
+            <a:r>
+              <a:rPr lang="en-US" sz="1800" noProof="0" dirty="0">
+                <a:ln>
+                  <a:noFill/>
+                </a:ln>
+                <a:effectLst/>
+                <a:uLnTx/>
+                <a:uFillTx/>
+                <a:latin typeface="Arial" panose="020B0604020202020204" pitchFamily="34" charset="0"/>
+                <a:ea typeface="微软雅黑" panose="020B0503020204020204" pitchFamily="34" charset="-122"/>
+                <a:sym typeface="+mn-ea"/>
+              </a:rPr>
+              <a:t>Correlation heatmap</a:t>
+            </a:r>
+            <a:endParaRPr lang="en-US" sz="1800" noProof="0" dirty="0">
+              <a:ln>
+                <a:noFill/>
+              </a:ln>
+              <a:effectLst/>
+              <a:uLnTx/>
+              <a:uFillTx/>
+              <a:latin typeface="Arial" panose="020B0604020202020204" pitchFamily="34" charset="0"/>
+              <a:ea typeface="微软雅黑" panose="020B0503020204020204" pitchFamily="34" charset="-122"/>
+              <a:sym typeface="+mn-ea"/>
+            </a:endParaRPr>
+          </a:p>
+        </p:txBody>
+      </p:sp>
+      <p:sp>
+        <p:nvSpPr>
+          <p:cNvPr id="6" name="Rectangles 5"/>
+          <p:cNvSpPr/>
+          <p:nvPr/>
+        </p:nvSpPr>
+        <p:spPr>
+          <a:xfrm>
+            <a:off x="5319395" y="3114675"/>
+            <a:ext cx="1369695" cy="368300"/>
+          </a:xfrm>
+          <a:prstGeom prst="rect">
+            <a:avLst/>
+          </a:prstGeom>
+          <a:solidFill>
+            <a:srgbClr val="51C1DB"/>
+          </a:solidFill>
+          <a:ln>
+            <a:noFill/>
+          </a:ln>
+        </p:spPr>
+        <p:style>
+          <a:lnRef idx="2">
+            <a:schemeClr val="accent1">
+              <a:shade val="50000"/>
+            </a:schemeClr>
+          </a:lnRef>
+          <a:fillRef idx="1">
+            <a:schemeClr val="accent1"/>
+          </a:fillRef>
+          <a:effectRef idx="0">
+            <a:schemeClr val="accent1"/>
+          </a:effectRef>
+          <a:fontRef idx="minor">
+            <a:schemeClr val="lt1"/>
+          </a:fontRef>
+        </p:style>
+        <p:txBody>
+          <a:bodyPr vertOverflow="overflow" horzOverflow="overflow" vert="horz" wrap="square" numCol="1" spcCol="0" rtlCol="0" fromWordArt="0" anchor="ctr" anchorCtr="0" forceAA="0" compatLnSpc="1">
+            <a:noAutofit/>
+          </a:bodyPr>
+          <a:lstStyle/>
+          <a:p>
+            <a:pPr lvl="0" algn="ctr" fontAlgn="auto">
+              <a:spcBef>
+                <a:spcPts val="0"/>
+              </a:spcBef>
+              <a:spcAft>
+                <a:spcPts val="0"/>
+              </a:spcAft>
+              <a:buClrTx/>
+              <a:buSzTx/>
+              <a:defRPr/>
+            </a:pPr>
+            <a:r>
+              <a:rPr lang="en-US" sz="1400" b="1" noProof="0" dirty="0">
+                <a:ln>
+                  <a:noFill/>
+                </a:ln>
+                <a:effectLst/>
+                <a:uLnTx/>
+                <a:uFillTx/>
+                <a:latin typeface="Arial" panose="020B0604020202020204" pitchFamily="34" charset="0"/>
+                <a:ea typeface="微软雅黑" panose="020B0503020204020204" pitchFamily="34" charset="-122"/>
+                <a:sym typeface="+mn-ea"/>
+              </a:rPr>
+              <a:t>I</a:t>
+            </a:r>
+            <a:r>
+              <a:rPr lang="en-US" sz="1400" b="1" noProof="0" dirty="0">
+                <a:ln>
+                  <a:noFill/>
+                </a:ln>
+                <a:effectLst/>
+                <a:uLnTx/>
+                <a:uFillTx/>
+                <a:latin typeface="Arial" panose="020B0604020202020204" pitchFamily="34" charset="0"/>
+                <a:ea typeface="微软雅黑" panose="020B0503020204020204" pitchFamily="34" charset="-122"/>
+                <a:sym typeface="+mn-ea"/>
+              </a:rPr>
+              <a:t>nterest Rate</a:t>
+            </a:r>
+            <a:endParaRPr lang="en-US" sz="1400" b="1" noProof="0" dirty="0">
+              <a:ln>
+                <a:noFill/>
+              </a:ln>
+              <a:effectLst/>
+              <a:uLnTx/>
+              <a:uFillTx/>
+              <a:latin typeface="Arial" panose="020B0604020202020204" pitchFamily="34" charset="0"/>
+              <a:ea typeface="微软雅黑" panose="020B0503020204020204" pitchFamily="34" charset="-122"/>
+              <a:sym typeface="+mn-ea"/>
+            </a:endParaRPr>
+          </a:p>
+        </p:txBody>
+      </p:sp>
       <p:pic>
         <p:nvPicPr>
-          <p:cNvPr id="4" name="Picture 3" descr="loan_by_year"/>
+          <p:cNvPr id="7" name="Picture 6"/>
           <p:cNvPicPr>
             <a:picLocks noChangeAspect="1"/>
           </p:cNvPicPr>
@@ -12319,76 +12500,14 @@
         </p:blipFill>
         <p:spPr>
           <a:xfrm>
-            <a:off x="7938770" y="652145"/>
-            <a:ext cx="3778885" cy="2223135"/>
+            <a:off x="7357745" y="466725"/>
+            <a:ext cx="4505325" cy="3016250"/>
           </a:xfrm>
           <a:prstGeom prst="rect">
             <a:avLst/>
           </a:prstGeom>
         </p:spPr>
       </p:pic>
-      <p:sp>
-        <p:nvSpPr>
-          <p:cNvPr id="5" name="Text Box 4"/>
-          <p:cNvSpPr txBox="1"/>
-          <p:nvPr/>
-        </p:nvSpPr>
-        <p:spPr>
-          <a:xfrm>
-            <a:off x="8790940" y="393700"/>
-            <a:ext cx="2303780" cy="368300"/>
-          </a:xfrm>
-          <a:prstGeom prst="rect">
-            <a:avLst/>
-          </a:prstGeom>
-          <a:solidFill>
-            <a:schemeClr val="bg1"/>
-          </a:solidFill>
-        </p:spPr>
-        <p:txBody>
-          <a:bodyPr wrap="none" rtlCol="0">
-            <a:spAutoFit/>
-          </a:bodyPr>
-          <a:p>
-            <a:r>
-              <a:rPr lang="en-US"/>
-              <a:t>accpted loands by year</a:t>
-            </a:r>
-            <a:endParaRPr lang="en-US"/>
-          </a:p>
-        </p:txBody>
-      </p:sp>
-      <p:sp>
-        <p:nvSpPr>
-          <p:cNvPr id="6" name="Text Box 5"/>
-          <p:cNvSpPr txBox="1"/>
-          <p:nvPr/>
-        </p:nvSpPr>
-        <p:spPr>
-          <a:xfrm>
-            <a:off x="5471795" y="2688590"/>
-            <a:ext cx="1369695" cy="368300"/>
-          </a:xfrm>
-          <a:prstGeom prst="rect">
-            <a:avLst/>
-          </a:prstGeom>
-          <a:solidFill>
-            <a:schemeClr val="bg1"/>
-          </a:solidFill>
-        </p:spPr>
-        <p:txBody>
-          <a:bodyPr wrap="none" rtlCol="0">
-            <a:spAutoFit/>
-          </a:bodyPr>
-          <a:p>
-            <a:r>
-              <a:rPr lang="en-US"/>
-              <a:t>Interest Rate</a:t>
-            </a:r>
-            <a:endParaRPr lang="en-US"/>
-          </a:p>
-        </p:txBody>
-      </p:sp>
     </p:spTree>
   </p:cSld>
   <p:clrMapOvr>
@@ -13294,7 +13413,7 @@
             </a:pPr>
             <a:r>
               <a:rPr lang="en-US" sz="2400"/>
-              <a:t>The current model was able to predict the default loan at an AOC score around 0.72</a:t>
+              <a:t>The current model was able to predict the default loan at an AUC score around 0.72</a:t>
             </a:r>
             <a:endParaRPr lang="en-US" sz="2400"/>
           </a:p>

--- a/20200812_lending_club.pptx
+++ b/20200812_lending_club.pptx
@@ -4985,7 +4985,7 @@
                 <a:latin typeface="微软雅黑" panose="020B0503020204020204" pitchFamily="34" charset="-122"/>
                 <a:ea typeface="微软雅黑" panose="020B0503020204020204" pitchFamily="34" charset="-122"/>
               </a:rPr>
-              <a:t>Intoruction</a:t>
+              <a:t>Introduction</a:t>
             </a:r>
             <a:endParaRPr lang="en-US" altLang="zh-CN" sz="3600" b="1" dirty="0">
               <a:solidFill>
@@ -7695,7 +7695,7 @@
                 <a:ea typeface="微软雅黑" panose="020B0503020204020204" pitchFamily="34" charset="-122"/>
                 <a:sym typeface="Arial" panose="020B0604020202020204" pitchFamily="34" charset="0"/>
               </a:rPr>
-              <a:t>Build a tool to help the lending club investors to make better-informed dicesion on note choice</a:t>
+              <a:t>Build a tool to help the lending club investors to make better-informed decision on note choice</a:t>
             </a:r>
             <a:endParaRPr lang="en-US" sz="1400" dirty="0">
               <a:solidFill>
@@ -7803,7 +7803,7 @@
                 <a:ea typeface="微软雅黑" panose="020B0503020204020204" pitchFamily="34" charset="-122"/>
                 <a:sym typeface="Arial" panose="020B0604020202020204" pitchFamily="34" charset="0"/>
               </a:rPr>
-              <a:t>The model was able to predict the default loan with AOC score around 0.72 and the top important featres were identified</a:t>
+              <a:t>The model was able to predict the default loan with AOC score around 0.72 and the top important features were identified</a:t>
             </a:r>
             <a:endParaRPr lang="en-US" altLang="zh-CN" sz="1400" dirty="0">
               <a:solidFill>
@@ -12823,7 +12823,7 @@
             </a:pPr>
             <a:r>
               <a:rPr lang="en-US" sz="1800"/>
-              <a:t>Logistc regression</a:t>
+              <a:t>Logistic regression</a:t>
             </a:r>
             <a:endParaRPr lang="en-US" sz="1800"/>
           </a:p>
@@ -12834,7 +12834,7 @@
             </a:pPr>
             <a:r>
               <a:rPr lang="en-US" sz="1800"/>
-              <a:t>Recusive Feature Elimination </a:t>
+              <a:t>Recursive Feature Elimination </a:t>
             </a:r>
             <a:endParaRPr lang="en-US" sz="1800"/>
           </a:p>
@@ -13468,7 +13468,7 @@
             </a:pPr>
             <a:r>
               <a:rPr lang="en-US" sz="1800"/>
-              <a:t>borrower's intallment to debt ratio</a:t>
+              <a:t>borrower's installment to debt ratio</a:t>
             </a:r>
             <a:endParaRPr lang="en-US" sz="1800"/>
           </a:p>

--- a/20200812_lending_club.pptx
+++ b/20200812_lending_club.pptx
@@ -13536,6 +13536,107 @@
           </a:p>
         </p:txBody>
       </p:sp>
+      <p:sp>
+        <p:nvSpPr>
+          <p:cNvPr id="3" name="Rectangles 2"/>
+          <p:cNvSpPr/>
+          <p:nvPr/>
+        </p:nvSpPr>
+        <p:spPr>
+          <a:xfrm>
+            <a:off x="5279390" y="5898515"/>
+            <a:ext cx="6703060" cy="384810"/>
+          </a:xfrm>
+          <a:prstGeom prst="rect">
+            <a:avLst/>
+          </a:prstGeom>
+          <a:solidFill>
+            <a:srgbClr val="374656"/>
+          </a:solidFill>
+        </p:spPr>
+        <p:style>
+          <a:lnRef idx="2">
+            <a:schemeClr val="lt1">
+              <a:hueOff val="0"/>
+              <a:satOff val="0"/>
+              <a:lumOff val="0"/>
+              <a:alphaOff val="0"/>
+            </a:schemeClr>
+          </a:lnRef>
+          <a:fillRef idx="1">
+            <a:scrgbClr r="0" g="0" b="0"/>
+          </a:fillRef>
+          <a:effectRef idx="0">
+            <a:schemeClr val="accent1">
+              <a:hueOff val="0"/>
+              <a:satOff val="0"/>
+              <a:lumOff val="0"/>
+              <a:alphaOff val="0"/>
+            </a:schemeClr>
+          </a:effectRef>
+          <a:fontRef idx="minor">
+            <a:schemeClr val="lt1"/>
+          </a:fontRef>
+        </p:style>
+        <p:txBody>
+          <a:bodyPr vertOverflow="overflow" horzOverflow="overflow" vert="horz" wrap="square" lIns="76200" tIns="609442" rIns="76201" bIns="609441" numCol="1" spcCol="1270" rtlCol="0" fromWordArt="0" anchor="ctr" anchorCtr="0" forceAA="0" compatLnSpc="1">
+            <a:noAutofit/>
+          </a:bodyPr>
+          <a:lstStyle/>
+          <a:p>
+            <a:pPr lvl="0" algn="l" defTabSz="533400" fontAlgn="auto">
+              <a:lnSpc>
+                <a:spcPct val="90000"/>
+              </a:lnSpc>
+              <a:spcAft>
+                <a:spcPct val="35000"/>
+              </a:spcAft>
+              <a:buClrTx/>
+              <a:buSzTx/>
+              <a:defRPr/>
+            </a:pPr>
+            <a:r>
+              <a:rPr lang="en-US" sz="1400" noProof="0" dirty="0">
+                <a:ln>
+                  <a:noFill/>
+                </a:ln>
+                <a:effectLst/>
+                <a:uLnTx/>
+                <a:uFillTx/>
+                <a:latin typeface="Arial" panose="020B0604020202020204" pitchFamily="34" charset="0"/>
+                <a:ea typeface="微软雅黑" panose="020B0503020204020204" pitchFamily="34" charset="-122"/>
+                <a:sym typeface="+mn-ea"/>
+              </a:rPr>
+              <a:t>Project details: </a:t>
+            </a:r>
+            <a:r>
+              <a:rPr lang="en-US" sz="1400" noProof="0" dirty="0">
+                <a:ln>
+                  <a:noFill/>
+                </a:ln>
+                <a:effectLst/>
+                <a:uLnTx/>
+                <a:uFillTx/>
+                <a:latin typeface="Arial" panose="020B0604020202020204" pitchFamily="34" charset="0"/>
+                <a:ea typeface="微软雅黑" panose="020B0503020204020204" pitchFamily="34" charset="-122"/>
+                <a:sym typeface="+mn-ea"/>
+              </a:rPr>
+              <a:t>https://github.com/pkuhugo/Fintech_Lending_Club/blob/master/20200705_lc.ipynb</a:t>
+            </a:r>
+            <a:endParaRPr lang="en-US" sz="1400" noProof="0" dirty="0">
+              <a:ln>
+                <a:noFill/>
+              </a:ln>
+              <a:effectLst/>
+              <a:uLnTx/>
+              <a:uFillTx/>
+              <a:latin typeface="Arial" panose="020B0604020202020204" pitchFamily="34" charset="0"/>
+              <a:ea typeface="微软雅黑" panose="020B0503020204020204" pitchFamily="34" charset="-122"/>
+              <a:sym typeface="+mn-ea"/>
+            </a:endParaRPr>
+          </a:p>
+        </p:txBody>
+      </p:sp>
     </p:spTree>
   </p:cSld>
   <p:clrMapOvr>
